--- a/Flying Ninjas FINAL (1).pptx
+++ b/Flying Ninjas FINAL (1).pptx
@@ -30,9 +30,10 @@
     <p:sldId id="286" r:id="rId24"/>
     <p:sldId id="271" r:id="rId25"/>
     <p:sldId id="272" r:id="rId26"/>
-    <p:sldId id="273" r:id="rId27"/>
-    <p:sldId id="280" r:id="rId28"/>
-    <p:sldId id="274" r:id="rId29"/>
+    <p:sldId id="287" r:id="rId27"/>
+    <p:sldId id="273" r:id="rId28"/>
+    <p:sldId id="280" r:id="rId29"/>
+    <p:sldId id="274" r:id="rId30"/>
   </p:sldIdLst>
   <p:sldSz cx="12192000" cy="6858000"/>
   <p:notesSz cx="6858000" cy="9144000"/>
@@ -4939,7 +4940,7 @@
         <p:spPr>
           <a:xfrm>
             <a:off x="988625" y="3272589"/>
-            <a:ext cx="10213975" cy="876587"/>
+            <a:ext cx="10213975" cy="461088"/>
           </a:xfrm>
           <a:prstGeom prst="rect">
             <a:avLst/>
@@ -4962,19 +4963,6 @@
             <a:r>
               <a:rPr lang="en-US" dirty="0"/>
               <a:t>Filtered out unnecessary columns that did not pertain to our research</a:t>
-            </a:r>
-          </a:p>
-          <a:p>
-            <a:pPr marL="285750" indent="-285750">
-              <a:lnSpc>
-                <a:spcPct val="150000"/>
-              </a:lnSpc>
-              <a:buFont typeface="Arial" panose="020B0604020202020204" pitchFamily="34" charset="0"/>
-              <a:buChar char="•"/>
-            </a:pPr>
-            <a:r>
-              <a:rPr lang="en-US" dirty="0"/>
-              <a:t>Filtered out null values</a:t>
             </a:r>
           </a:p>
         </p:txBody>
@@ -9090,6 +9078,94 @@
 <file path=ppt/slides/slide26.xml><?xml version="1.0" encoding="utf-8"?>
 <p:sld xmlns:a="http://schemas.openxmlformats.org/drawingml/2006/main" xmlns:r="http://schemas.openxmlformats.org/officeDocument/2006/relationships" xmlns:p="http://schemas.openxmlformats.org/presentationml/2006/main">
   <p:cSld>
+    <p:spTree>
+      <p:nvGrpSpPr>
+        <p:cNvPr id="1" name=""/>
+        <p:cNvGrpSpPr/>
+        <p:nvPr/>
+      </p:nvGrpSpPr>
+      <p:grpSpPr>
+        <a:xfrm>
+          <a:off x="0" y="0"/>
+          <a:ext cx="0" cy="0"/>
+          <a:chOff x="0" y="0"/>
+          <a:chExt cx="0" cy="0"/>
+        </a:xfrm>
+      </p:grpSpPr>
+      <p:sp>
+        <p:nvSpPr>
+          <p:cNvPr id="2" name="Title 1">
+            <a:extLst>
+              <a:ext uri="{FF2B5EF4-FFF2-40B4-BE49-F238E27FC236}">
+                <a16:creationId xmlns:a16="http://schemas.microsoft.com/office/drawing/2014/main" id="{48F7E745-BA3B-7DF5-1E22-D01267461325}"/>
+              </a:ext>
+            </a:extLst>
+          </p:cNvPr>
+          <p:cNvSpPr>
+            <a:spLocks noGrp="1"/>
+          </p:cNvSpPr>
+          <p:nvPr>
+            <p:ph type="title"/>
+          </p:nvPr>
+        </p:nvSpPr>
+        <p:spPr/>
+        <p:txBody>
+          <a:bodyPr/>
+          <a:lstStyle/>
+          <a:p>
+            <a:pPr algn="ctr"/>
+            <a:r>
+              <a:rPr lang="en-US" dirty="0"/>
+              <a:t>Was out hypothesis right </a:t>
+            </a:r>
+          </a:p>
+        </p:txBody>
+      </p:sp>
+      <p:pic>
+        <p:nvPicPr>
+          <p:cNvPr id="5" name="Content Placeholder 4">
+            <a:extLst>
+              <a:ext uri="{FF2B5EF4-FFF2-40B4-BE49-F238E27FC236}">
+                <a16:creationId xmlns:a16="http://schemas.microsoft.com/office/drawing/2014/main" id="{C59A6CB4-DA87-1885-A9CC-6F5D1950C7BA}"/>
+              </a:ext>
+            </a:extLst>
+          </p:cNvPr>
+          <p:cNvPicPr>
+            <a:picLocks noGrp="1" noChangeAspect="1"/>
+          </p:cNvPicPr>
+          <p:nvPr>
+            <p:ph idx="1"/>
+          </p:nvPr>
+        </p:nvPicPr>
+        <p:blipFill>
+          <a:blip r:embed="rId2"/>
+          <a:stretch>
+            <a:fillRect/>
+          </a:stretch>
+        </p:blipFill>
+        <p:spPr>
+          <a:xfrm>
+            <a:off x="2662238" y="3501231"/>
+            <a:ext cx="6867525" cy="409575"/>
+          </a:xfrm>
+        </p:spPr>
+      </p:pic>
+    </p:spTree>
+    <p:extLst>
+      <p:ext uri="{BB962C8B-B14F-4D97-AF65-F5344CB8AC3E}">
+        <p14:creationId xmlns:p14="http://schemas.microsoft.com/office/powerpoint/2010/main" val="2973434563"/>
+      </p:ext>
+    </p:extLst>
+  </p:cSld>
+  <p:clrMapOvr>
+    <a:masterClrMapping/>
+  </p:clrMapOvr>
+</p:sld>
+</file>
+
+<file path=ppt/slides/slide27.xml><?xml version="1.0" encoding="utf-8"?>
+<p:sld xmlns:a="http://schemas.openxmlformats.org/drawingml/2006/main" xmlns:r="http://schemas.openxmlformats.org/officeDocument/2006/relationships" xmlns:p="http://schemas.openxmlformats.org/presentationml/2006/main">
+  <p:cSld>
     <p:bg>
       <p:bgPr>
         <a:solidFill>
@@ -10559,7 +10635,7 @@
 </p:sld>
 </file>
 
-<file path=ppt/slides/slide27.xml><?xml version="1.0" encoding="utf-8"?>
+<file path=ppt/slides/slide28.xml><?xml version="1.0" encoding="utf-8"?>
 <p:sld xmlns:a="http://schemas.openxmlformats.org/drawingml/2006/main" xmlns:r="http://schemas.openxmlformats.org/officeDocument/2006/relationships" xmlns:p="http://schemas.openxmlformats.org/presentationml/2006/main">
   <p:cSld>
     <p:spTree>
@@ -10660,7 +10736,7 @@
 </p:sld>
 </file>
 
-<file path=ppt/slides/slide28.xml><?xml version="1.0" encoding="utf-8"?>
+<file path=ppt/slides/slide29.xml><?xml version="1.0" encoding="utf-8"?>
 <p:sld xmlns:a="http://schemas.openxmlformats.org/drawingml/2006/main" xmlns:r="http://schemas.openxmlformats.org/officeDocument/2006/relationships" xmlns:p="http://schemas.openxmlformats.org/presentationml/2006/main">
   <p:cSld>
     <p:bg>
@@ -12908,7 +12984,7 @@
           <a:p>
             <a:r>
               <a:rPr lang="en-US" dirty="0"/>
-              <a:t>We hypothesize that the earnings for data scientists is going to be more than the earning of other professions.</a:t>
+              <a:t>We hypothesize that the average earnings for data scientists is going to be more than the average earning of other professions.</a:t>
             </a:r>
           </a:p>
         </p:txBody>
